--- a/ppt 16-9/0560.宝血洗净.pptx
+++ b/ppt 16-9/0560.宝血洗净.pptx
@@ -5,7 +5,7 @@
     <p:sldMasterId id="2147483648" r:id="rId1"/>
   </p:sldMasterIdLst>
   <p:sldIdLst>
-    <p:sldId id="2315" r:id="rId2"/>
+    <p:sldId id="2316" r:id="rId2"/>
   </p:sldIdLst>
   <p:sldSz cx="12192000" cy="6858000"/>
   <p:notesSz cx="6858000" cy="9144000"/>
@@ -129,7 +129,7 @@
           <p:cNvPr id="2" name="标题 1">
             <a:extLst>
               <a:ext uri="{FF2B5EF4-FFF2-40B4-BE49-F238E27FC236}">
-                <a16:creationId xmlns:a16="http://schemas.microsoft.com/office/drawing/2014/main" id="{C12DC102-2B10-EAE6-BE66-76A2B7E59601}"/>
+                <a16:creationId xmlns:a16="http://schemas.microsoft.com/office/drawing/2014/main" id="{612F6828-C4E4-6FE7-01F5-F74C8BC1BE78}"/>
               </a:ext>
             </a:extLst>
           </p:cNvPr>
@@ -166,7 +166,7 @@
           <p:cNvPr id="3" name="副标题 2">
             <a:extLst>
               <a:ext uri="{FF2B5EF4-FFF2-40B4-BE49-F238E27FC236}">
-                <a16:creationId xmlns:a16="http://schemas.microsoft.com/office/drawing/2014/main" id="{EB2FBE9E-2FAA-F7E8-A380-8741CEE503A1}"/>
+                <a16:creationId xmlns:a16="http://schemas.microsoft.com/office/drawing/2014/main" id="{A7C9C227-BD9C-0F11-6E22-B8686E030CEC}"/>
               </a:ext>
             </a:extLst>
           </p:cNvPr>
@@ -236,7 +236,7 @@
           <p:cNvPr id="4" name="日期占位符 3">
             <a:extLst>
               <a:ext uri="{FF2B5EF4-FFF2-40B4-BE49-F238E27FC236}">
-                <a16:creationId xmlns:a16="http://schemas.microsoft.com/office/drawing/2014/main" id="{1E90DAC2-43E7-1F95-8FD8-FD6B287DC6D7}"/>
+                <a16:creationId xmlns:a16="http://schemas.microsoft.com/office/drawing/2014/main" id="{019A045A-05AE-F857-B255-B2480ABBA5C5}"/>
               </a:ext>
             </a:extLst>
           </p:cNvPr>
@@ -252,7 +252,7 @@
           <a:bodyPr/>
           <a:lstStyle/>
           <a:p>
-            <a:fld id="{F2F51397-8412-4C95-8CDA-DF71F54C10F8}" type="datetimeFigureOut">
+            <a:fld id="{D5948B91-CB5D-4B1B-A3E7-8B4647DF2C30}" type="datetimeFigureOut">
               <a:rPr lang="zh-CN" altLang="en-US" smtClean="0"/>
               <a:t>2024/3/10</a:t>
             </a:fld>
@@ -265,7 +265,7 @@
           <p:cNvPr id="5" name="页脚占位符 4">
             <a:extLst>
               <a:ext uri="{FF2B5EF4-FFF2-40B4-BE49-F238E27FC236}">
-                <a16:creationId xmlns:a16="http://schemas.microsoft.com/office/drawing/2014/main" id="{A32BD3BB-21BA-F2C8-B143-15CA18AD0434}"/>
+                <a16:creationId xmlns:a16="http://schemas.microsoft.com/office/drawing/2014/main" id="{4019878B-6410-05BA-F841-2F73062434FD}"/>
               </a:ext>
             </a:extLst>
           </p:cNvPr>
@@ -290,7 +290,7 @@
           <p:cNvPr id="6" name="灯片编号占位符 5">
             <a:extLst>
               <a:ext uri="{FF2B5EF4-FFF2-40B4-BE49-F238E27FC236}">
-                <a16:creationId xmlns:a16="http://schemas.microsoft.com/office/drawing/2014/main" id="{9E5460AE-72BC-79CE-B430-88EC9CC6F1E5}"/>
+                <a16:creationId xmlns:a16="http://schemas.microsoft.com/office/drawing/2014/main" id="{85E49FFB-AE5D-1A7D-D311-D704D8B5304A}"/>
               </a:ext>
             </a:extLst>
           </p:cNvPr>
@@ -306,7 +306,7 @@
           <a:bodyPr/>
           <a:lstStyle/>
           <a:p>
-            <a:fld id="{931821AD-5BC6-48B1-8D8C-000A57DF967A}" type="slidenum">
+            <a:fld id="{C1E22FBC-991A-4750-8592-8365FAD7E397}" type="slidenum">
               <a:rPr lang="zh-CN" altLang="en-US" smtClean="0"/>
               <a:t>‹#›</a:t>
             </a:fld>
@@ -317,7 +317,7 @@
     </p:spTree>
     <p:extLst>
       <p:ext uri="{BB962C8B-B14F-4D97-AF65-F5344CB8AC3E}">
-        <p14:creationId xmlns:p14="http://schemas.microsoft.com/office/powerpoint/2010/main" val="535447717"/>
+        <p14:creationId xmlns:p14="http://schemas.microsoft.com/office/powerpoint/2010/main" val="1702853983"/>
       </p:ext>
     </p:extLst>
   </p:cSld>
@@ -349,7 +349,7 @@
           <p:cNvPr id="2" name="标题 1">
             <a:extLst>
               <a:ext uri="{FF2B5EF4-FFF2-40B4-BE49-F238E27FC236}">
-                <a16:creationId xmlns:a16="http://schemas.microsoft.com/office/drawing/2014/main" id="{80EDEA87-778F-A8CD-AF3B-3FEF83C5E83C}"/>
+                <a16:creationId xmlns:a16="http://schemas.microsoft.com/office/drawing/2014/main" id="{304E95AE-2D35-517A-8055-2523835BEA23}"/>
               </a:ext>
             </a:extLst>
           </p:cNvPr>
@@ -377,7 +377,7 @@
           <p:cNvPr id="3" name="竖排文字占位符 2">
             <a:extLst>
               <a:ext uri="{FF2B5EF4-FFF2-40B4-BE49-F238E27FC236}">
-                <a16:creationId xmlns:a16="http://schemas.microsoft.com/office/drawing/2014/main" id="{88F48D58-6C65-424F-F586-07C147F15FFD}"/>
+                <a16:creationId xmlns:a16="http://schemas.microsoft.com/office/drawing/2014/main" id="{F1FD1938-7CD2-E84D-D614-2D99955A309E}"/>
               </a:ext>
             </a:extLst>
           </p:cNvPr>
@@ -434,7 +434,7 @@
           <p:cNvPr id="4" name="日期占位符 3">
             <a:extLst>
               <a:ext uri="{FF2B5EF4-FFF2-40B4-BE49-F238E27FC236}">
-                <a16:creationId xmlns:a16="http://schemas.microsoft.com/office/drawing/2014/main" id="{1B169372-15AC-15E6-0A14-2F48AF62BB5D}"/>
+                <a16:creationId xmlns:a16="http://schemas.microsoft.com/office/drawing/2014/main" id="{99BFB833-993C-4E0F-13D2-6E51D6B15887}"/>
               </a:ext>
             </a:extLst>
           </p:cNvPr>
@@ -450,7 +450,7 @@
           <a:bodyPr/>
           <a:lstStyle/>
           <a:p>
-            <a:fld id="{F2F51397-8412-4C95-8CDA-DF71F54C10F8}" type="datetimeFigureOut">
+            <a:fld id="{D5948B91-CB5D-4B1B-A3E7-8B4647DF2C30}" type="datetimeFigureOut">
               <a:rPr lang="zh-CN" altLang="en-US" smtClean="0"/>
               <a:t>2024/3/10</a:t>
             </a:fld>
@@ -463,7 +463,7 @@
           <p:cNvPr id="5" name="页脚占位符 4">
             <a:extLst>
               <a:ext uri="{FF2B5EF4-FFF2-40B4-BE49-F238E27FC236}">
-                <a16:creationId xmlns:a16="http://schemas.microsoft.com/office/drawing/2014/main" id="{8A57154B-E729-43A2-A249-2F0C1FA0D574}"/>
+                <a16:creationId xmlns:a16="http://schemas.microsoft.com/office/drawing/2014/main" id="{8E1A54E2-3D4E-4D67-F620-7C5C7532FBFD}"/>
               </a:ext>
             </a:extLst>
           </p:cNvPr>
@@ -488,7 +488,7 @@
           <p:cNvPr id="6" name="灯片编号占位符 5">
             <a:extLst>
               <a:ext uri="{FF2B5EF4-FFF2-40B4-BE49-F238E27FC236}">
-                <a16:creationId xmlns:a16="http://schemas.microsoft.com/office/drawing/2014/main" id="{A4EA4B59-1F2C-C70B-DB17-B76D25975267}"/>
+                <a16:creationId xmlns:a16="http://schemas.microsoft.com/office/drawing/2014/main" id="{7BFCC5F9-4FD2-92EC-0950-3708EB788924}"/>
               </a:ext>
             </a:extLst>
           </p:cNvPr>
@@ -504,7 +504,7 @@
           <a:bodyPr/>
           <a:lstStyle/>
           <a:p>
-            <a:fld id="{931821AD-5BC6-48B1-8D8C-000A57DF967A}" type="slidenum">
+            <a:fld id="{C1E22FBC-991A-4750-8592-8365FAD7E397}" type="slidenum">
               <a:rPr lang="zh-CN" altLang="en-US" smtClean="0"/>
               <a:t>‹#›</a:t>
             </a:fld>
@@ -515,7 +515,7 @@
     </p:spTree>
     <p:extLst>
       <p:ext uri="{BB962C8B-B14F-4D97-AF65-F5344CB8AC3E}">
-        <p14:creationId xmlns:p14="http://schemas.microsoft.com/office/powerpoint/2010/main" val="4217708621"/>
+        <p14:creationId xmlns:p14="http://schemas.microsoft.com/office/powerpoint/2010/main" val="3441011797"/>
       </p:ext>
     </p:extLst>
   </p:cSld>
@@ -547,7 +547,7 @@
           <p:cNvPr id="2" name="竖排标题 1">
             <a:extLst>
               <a:ext uri="{FF2B5EF4-FFF2-40B4-BE49-F238E27FC236}">
-                <a16:creationId xmlns:a16="http://schemas.microsoft.com/office/drawing/2014/main" id="{3240565D-D530-E548-31C7-45681B2FE7DE}"/>
+                <a16:creationId xmlns:a16="http://schemas.microsoft.com/office/drawing/2014/main" id="{2E111225-E89A-7F16-467E-5E294A0E585E}"/>
               </a:ext>
             </a:extLst>
           </p:cNvPr>
@@ -580,7 +580,7 @@
           <p:cNvPr id="3" name="竖排文字占位符 2">
             <a:extLst>
               <a:ext uri="{FF2B5EF4-FFF2-40B4-BE49-F238E27FC236}">
-                <a16:creationId xmlns:a16="http://schemas.microsoft.com/office/drawing/2014/main" id="{91A01EF1-2904-CCAB-5EE1-0D89C4112F72}"/>
+                <a16:creationId xmlns:a16="http://schemas.microsoft.com/office/drawing/2014/main" id="{80554A72-6A32-7A05-1C38-1A9D517CFA82}"/>
               </a:ext>
             </a:extLst>
           </p:cNvPr>
@@ -642,7 +642,7 @@
           <p:cNvPr id="4" name="日期占位符 3">
             <a:extLst>
               <a:ext uri="{FF2B5EF4-FFF2-40B4-BE49-F238E27FC236}">
-                <a16:creationId xmlns:a16="http://schemas.microsoft.com/office/drawing/2014/main" id="{61F8D380-3DDE-342D-BD85-E185992B73CE}"/>
+                <a16:creationId xmlns:a16="http://schemas.microsoft.com/office/drawing/2014/main" id="{407A806E-928A-0C72-2CE8-3AB364911AD6}"/>
               </a:ext>
             </a:extLst>
           </p:cNvPr>
@@ -658,7 +658,7 @@
           <a:bodyPr/>
           <a:lstStyle/>
           <a:p>
-            <a:fld id="{F2F51397-8412-4C95-8CDA-DF71F54C10F8}" type="datetimeFigureOut">
+            <a:fld id="{D5948B91-CB5D-4B1B-A3E7-8B4647DF2C30}" type="datetimeFigureOut">
               <a:rPr lang="zh-CN" altLang="en-US" smtClean="0"/>
               <a:t>2024/3/10</a:t>
             </a:fld>
@@ -671,7 +671,7 @@
           <p:cNvPr id="5" name="页脚占位符 4">
             <a:extLst>
               <a:ext uri="{FF2B5EF4-FFF2-40B4-BE49-F238E27FC236}">
-                <a16:creationId xmlns:a16="http://schemas.microsoft.com/office/drawing/2014/main" id="{1249E53E-1FA9-300E-6FCC-0404673CF2DA}"/>
+                <a16:creationId xmlns:a16="http://schemas.microsoft.com/office/drawing/2014/main" id="{7243709B-1A32-BC8D-6CD1-EECFCB7D5168}"/>
               </a:ext>
             </a:extLst>
           </p:cNvPr>
@@ -696,7 +696,7 @@
           <p:cNvPr id="6" name="灯片编号占位符 5">
             <a:extLst>
               <a:ext uri="{FF2B5EF4-FFF2-40B4-BE49-F238E27FC236}">
-                <a16:creationId xmlns:a16="http://schemas.microsoft.com/office/drawing/2014/main" id="{F9AFC3F9-4CE4-953E-7F10-803EB1BC9275}"/>
+                <a16:creationId xmlns:a16="http://schemas.microsoft.com/office/drawing/2014/main" id="{F61CAEFE-47FB-5106-FB29-402CD334B5F9}"/>
               </a:ext>
             </a:extLst>
           </p:cNvPr>
@@ -712,7 +712,7 @@
           <a:bodyPr/>
           <a:lstStyle/>
           <a:p>
-            <a:fld id="{931821AD-5BC6-48B1-8D8C-000A57DF967A}" type="slidenum">
+            <a:fld id="{C1E22FBC-991A-4750-8592-8365FAD7E397}" type="slidenum">
               <a:rPr lang="zh-CN" altLang="en-US" smtClean="0"/>
               <a:t>‹#›</a:t>
             </a:fld>
@@ -723,7 +723,7 @@
     </p:spTree>
     <p:extLst>
       <p:ext uri="{BB962C8B-B14F-4D97-AF65-F5344CB8AC3E}">
-        <p14:creationId xmlns:p14="http://schemas.microsoft.com/office/powerpoint/2010/main" val="2370188471"/>
+        <p14:creationId xmlns:p14="http://schemas.microsoft.com/office/powerpoint/2010/main" val="795001425"/>
       </p:ext>
     </p:extLst>
   </p:cSld>
@@ -755,7 +755,7 @@
           <p:cNvPr id="2" name="标题 1">
             <a:extLst>
               <a:ext uri="{FF2B5EF4-FFF2-40B4-BE49-F238E27FC236}">
-                <a16:creationId xmlns:a16="http://schemas.microsoft.com/office/drawing/2014/main" id="{F7B9ED55-5BA0-542B-7C22-05040F0725F4}"/>
+                <a16:creationId xmlns:a16="http://schemas.microsoft.com/office/drawing/2014/main" id="{7288360A-3B24-8CAE-4C7D-25583CB1B9CA}"/>
               </a:ext>
             </a:extLst>
           </p:cNvPr>
@@ -783,7 +783,7 @@
           <p:cNvPr id="3" name="内容占位符 2">
             <a:extLst>
               <a:ext uri="{FF2B5EF4-FFF2-40B4-BE49-F238E27FC236}">
-                <a16:creationId xmlns:a16="http://schemas.microsoft.com/office/drawing/2014/main" id="{73242DD5-40F5-C5A3-2228-399E0C362360}"/>
+                <a16:creationId xmlns:a16="http://schemas.microsoft.com/office/drawing/2014/main" id="{EE7B9DB1-5CD8-F0A4-1E5D-208DFD1C89D8}"/>
               </a:ext>
             </a:extLst>
           </p:cNvPr>
@@ -840,7 +840,7 @@
           <p:cNvPr id="4" name="日期占位符 3">
             <a:extLst>
               <a:ext uri="{FF2B5EF4-FFF2-40B4-BE49-F238E27FC236}">
-                <a16:creationId xmlns:a16="http://schemas.microsoft.com/office/drawing/2014/main" id="{4BF70570-C113-101A-F02D-DF5A8705C5E3}"/>
+                <a16:creationId xmlns:a16="http://schemas.microsoft.com/office/drawing/2014/main" id="{5365F882-9EEC-9DCA-8D05-8C2C2389A403}"/>
               </a:ext>
             </a:extLst>
           </p:cNvPr>
@@ -856,7 +856,7 @@
           <a:bodyPr/>
           <a:lstStyle/>
           <a:p>
-            <a:fld id="{F2F51397-8412-4C95-8CDA-DF71F54C10F8}" type="datetimeFigureOut">
+            <a:fld id="{D5948B91-CB5D-4B1B-A3E7-8B4647DF2C30}" type="datetimeFigureOut">
               <a:rPr lang="zh-CN" altLang="en-US" smtClean="0"/>
               <a:t>2024/3/10</a:t>
             </a:fld>
@@ -869,7 +869,7 @@
           <p:cNvPr id="5" name="页脚占位符 4">
             <a:extLst>
               <a:ext uri="{FF2B5EF4-FFF2-40B4-BE49-F238E27FC236}">
-                <a16:creationId xmlns:a16="http://schemas.microsoft.com/office/drawing/2014/main" id="{D36C4BF9-4D08-424B-0EE3-2D261E2B775B}"/>
+                <a16:creationId xmlns:a16="http://schemas.microsoft.com/office/drawing/2014/main" id="{237BC543-2554-9306-C7D8-65D66B1B7FAD}"/>
               </a:ext>
             </a:extLst>
           </p:cNvPr>
@@ -894,7 +894,7 @@
           <p:cNvPr id="6" name="灯片编号占位符 5">
             <a:extLst>
               <a:ext uri="{FF2B5EF4-FFF2-40B4-BE49-F238E27FC236}">
-                <a16:creationId xmlns:a16="http://schemas.microsoft.com/office/drawing/2014/main" id="{2E112A14-60F5-F904-D4F6-7BEA1773B4B0}"/>
+                <a16:creationId xmlns:a16="http://schemas.microsoft.com/office/drawing/2014/main" id="{ED1A58D8-5A6F-CA36-8390-B3E98A256C0B}"/>
               </a:ext>
             </a:extLst>
           </p:cNvPr>
@@ -910,7 +910,7 @@
           <a:bodyPr/>
           <a:lstStyle/>
           <a:p>
-            <a:fld id="{931821AD-5BC6-48B1-8D8C-000A57DF967A}" type="slidenum">
+            <a:fld id="{C1E22FBC-991A-4750-8592-8365FAD7E397}" type="slidenum">
               <a:rPr lang="zh-CN" altLang="en-US" smtClean="0"/>
               <a:t>‹#›</a:t>
             </a:fld>
@@ -921,7 +921,7 @@
     </p:spTree>
     <p:extLst>
       <p:ext uri="{BB962C8B-B14F-4D97-AF65-F5344CB8AC3E}">
-        <p14:creationId xmlns:p14="http://schemas.microsoft.com/office/powerpoint/2010/main" val="310560645"/>
+        <p14:creationId xmlns:p14="http://schemas.microsoft.com/office/powerpoint/2010/main" val="3276295217"/>
       </p:ext>
     </p:extLst>
   </p:cSld>
@@ -953,7 +953,7 @@
           <p:cNvPr id="2" name="标题 1">
             <a:extLst>
               <a:ext uri="{FF2B5EF4-FFF2-40B4-BE49-F238E27FC236}">
-                <a16:creationId xmlns:a16="http://schemas.microsoft.com/office/drawing/2014/main" id="{641A2B45-AB01-CEC4-CF00-82D1F7FEE414}"/>
+                <a16:creationId xmlns:a16="http://schemas.microsoft.com/office/drawing/2014/main" id="{9CC7CF9C-25E0-2663-7EE4-DCA2842CD14C}"/>
               </a:ext>
             </a:extLst>
           </p:cNvPr>
@@ -990,7 +990,7 @@
           <p:cNvPr id="3" name="文本占位符 2">
             <a:extLst>
               <a:ext uri="{FF2B5EF4-FFF2-40B4-BE49-F238E27FC236}">
-                <a16:creationId xmlns:a16="http://schemas.microsoft.com/office/drawing/2014/main" id="{FCAD1155-1AB4-18A8-3FB7-B1AC537585DE}"/>
+                <a16:creationId xmlns:a16="http://schemas.microsoft.com/office/drawing/2014/main" id="{7583F5C7-533C-BC39-C354-C573D2271322}"/>
               </a:ext>
             </a:extLst>
           </p:cNvPr>
@@ -1115,7 +1115,7 @@
           <p:cNvPr id="4" name="日期占位符 3">
             <a:extLst>
               <a:ext uri="{FF2B5EF4-FFF2-40B4-BE49-F238E27FC236}">
-                <a16:creationId xmlns:a16="http://schemas.microsoft.com/office/drawing/2014/main" id="{63922239-48D4-2C39-7FB3-8375056F62E0}"/>
+                <a16:creationId xmlns:a16="http://schemas.microsoft.com/office/drawing/2014/main" id="{09F2C371-4697-AE0F-3A39-01D6A6FCC648}"/>
               </a:ext>
             </a:extLst>
           </p:cNvPr>
@@ -1131,7 +1131,7 @@
           <a:bodyPr/>
           <a:lstStyle/>
           <a:p>
-            <a:fld id="{F2F51397-8412-4C95-8CDA-DF71F54C10F8}" type="datetimeFigureOut">
+            <a:fld id="{D5948B91-CB5D-4B1B-A3E7-8B4647DF2C30}" type="datetimeFigureOut">
               <a:rPr lang="zh-CN" altLang="en-US" smtClean="0"/>
               <a:t>2024/3/10</a:t>
             </a:fld>
@@ -1144,7 +1144,7 @@
           <p:cNvPr id="5" name="页脚占位符 4">
             <a:extLst>
               <a:ext uri="{FF2B5EF4-FFF2-40B4-BE49-F238E27FC236}">
-                <a16:creationId xmlns:a16="http://schemas.microsoft.com/office/drawing/2014/main" id="{B6C40DD0-8B8A-0698-D3F9-1DAC49A00EA0}"/>
+                <a16:creationId xmlns:a16="http://schemas.microsoft.com/office/drawing/2014/main" id="{61D6A451-A590-22D3-1E23-675B8C925E2F}"/>
               </a:ext>
             </a:extLst>
           </p:cNvPr>
@@ -1169,7 +1169,7 @@
           <p:cNvPr id="6" name="灯片编号占位符 5">
             <a:extLst>
               <a:ext uri="{FF2B5EF4-FFF2-40B4-BE49-F238E27FC236}">
-                <a16:creationId xmlns:a16="http://schemas.microsoft.com/office/drawing/2014/main" id="{08314E85-6B7E-07E3-D170-46A2B11AB4F8}"/>
+                <a16:creationId xmlns:a16="http://schemas.microsoft.com/office/drawing/2014/main" id="{0F5462E7-8273-AFF7-39A7-9564722EFD50}"/>
               </a:ext>
             </a:extLst>
           </p:cNvPr>
@@ -1185,7 +1185,7 @@
           <a:bodyPr/>
           <a:lstStyle/>
           <a:p>
-            <a:fld id="{931821AD-5BC6-48B1-8D8C-000A57DF967A}" type="slidenum">
+            <a:fld id="{C1E22FBC-991A-4750-8592-8365FAD7E397}" type="slidenum">
               <a:rPr lang="zh-CN" altLang="en-US" smtClean="0"/>
               <a:t>‹#›</a:t>
             </a:fld>
@@ -1196,7 +1196,7 @@
     </p:spTree>
     <p:extLst>
       <p:ext uri="{BB962C8B-B14F-4D97-AF65-F5344CB8AC3E}">
-        <p14:creationId xmlns:p14="http://schemas.microsoft.com/office/powerpoint/2010/main" val="3113613583"/>
+        <p14:creationId xmlns:p14="http://schemas.microsoft.com/office/powerpoint/2010/main" val="4265433298"/>
       </p:ext>
     </p:extLst>
   </p:cSld>
@@ -1228,7 +1228,7 @@
           <p:cNvPr id="2" name="标题 1">
             <a:extLst>
               <a:ext uri="{FF2B5EF4-FFF2-40B4-BE49-F238E27FC236}">
-                <a16:creationId xmlns:a16="http://schemas.microsoft.com/office/drawing/2014/main" id="{1BAD67E2-3321-C1B0-D7A4-11EFA197C793}"/>
+                <a16:creationId xmlns:a16="http://schemas.microsoft.com/office/drawing/2014/main" id="{89710723-97AC-C7F4-839A-A94AB4398AA6}"/>
               </a:ext>
             </a:extLst>
           </p:cNvPr>
@@ -1256,7 +1256,7 @@
           <p:cNvPr id="3" name="内容占位符 2">
             <a:extLst>
               <a:ext uri="{FF2B5EF4-FFF2-40B4-BE49-F238E27FC236}">
-                <a16:creationId xmlns:a16="http://schemas.microsoft.com/office/drawing/2014/main" id="{CC45C062-A966-D592-1A66-057E73A79BCD}"/>
+                <a16:creationId xmlns:a16="http://schemas.microsoft.com/office/drawing/2014/main" id="{9CF4BF1C-8EB8-0BAA-2E58-6197E3880B41}"/>
               </a:ext>
             </a:extLst>
           </p:cNvPr>
@@ -1318,7 +1318,7 @@
           <p:cNvPr id="4" name="内容占位符 3">
             <a:extLst>
               <a:ext uri="{FF2B5EF4-FFF2-40B4-BE49-F238E27FC236}">
-                <a16:creationId xmlns:a16="http://schemas.microsoft.com/office/drawing/2014/main" id="{AF8CC486-4BF9-4172-1446-939329AAF33C}"/>
+                <a16:creationId xmlns:a16="http://schemas.microsoft.com/office/drawing/2014/main" id="{DF24A4E4-E9E3-3D60-10C8-A1440144BEB8}"/>
               </a:ext>
             </a:extLst>
           </p:cNvPr>
@@ -1380,7 +1380,7 @@
           <p:cNvPr id="5" name="日期占位符 4">
             <a:extLst>
               <a:ext uri="{FF2B5EF4-FFF2-40B4-BE49-F238E27FC236}">
-                <a16:creationId xmlns:a16="http://schemas.microsoft.com/office/drawing/2014/main" id="{4AA095C1-B38B-C173-2BF5-C63559A0DBFA}"/>
+                <a16:creationId xmlns:a16="http://schemas.microsoft.com/office/drawing/2014/main" id="{43AF019E-770C-877B-B186-74FD1930F7D1}"/>
               </a:ext>
             </a:extLst>
           </p:cNvPr>
@@ -1396,7 +1396,7 @@
           <a:bodyPr/>
           <a:lstStyle/>
           <a:p>
-            <a:fld id="{F2F51397-8412-4C95-8CDA-DF71F54C10F8}" type="datetimeFigureOut">
+            <a:fld id="{D5948B91-CB5D-4B1B-A3E7-8B4647DF2C30}" type="datetimeFigureOut">
               <a:rPr lang="zh-CN" altLang="en-US" smtClean="0"/>
               <a:t>2024/3/10</a:t>
             </a:fld>
@@ -1409,7 +1409,7 @@
           <p:cNvPr id="6" name="页脚占位符 5">
             <a:extLst>
               <a:ext uri="{FF2B5EF4-FFF2-40B4-BE49-F238E27FC236}">
-                <a16:creationId xmlns:a16="http://schemas.microsoft.com/office/drawing/2014/main" id="{49CA27BA-0321-C51E-F00E-3F92DD6DA39B}"/>
+                <a16:creationId xmlns:a16="http://schemas.microsoft.com/office/drawing/2014/main" id="{CACE3B76-B9FA-A553-1F8C-7762CEACF05F}"/>
               </a:ext>
             </a:extLst>
           </p:cNvPr>
@@ -1434,7 +1434,7 @@
           <p:cNvPr id="7" name="灯片编号占位符 6">
             <a:extLst>
               <a:ext uri="{FF2B5EF4-FFF2-40B4-BE49-F238E27FC236}">
-                <a16:creationId xmlns:a16="http://schemas.microsoft.com/office/drawing/2014/main" id="{DC1C23A0-357A-A9BF-13D1-14FED2C0A290}"/>
+                <a16:creationId xmlns:a16="http://schemas.microsoft.com/office/drawing/2014/main" id="{4818A167-3786-2B09-67EE-459285D0BEEB}"/>
               </a:ext>
             </a:extLst>
           </p:cNvPr>
@@ -1450,7 +1450,7 @@
           <a:bodyPr/>
           <a:lstStyle/>
           <a:p>
-            <a:fld id="{931821AD-5BC6-48B1-8D8C-000A57DF967A}" type="slidenum">
+            <a:fld id="{C1E22FBC-991A-4750-8592-8365FAD7E397}" type="slidenum">
               <a:rPr lang="zh-CN" altLang="en-US" smtClean="0"/>
               <a:t>‹#›</a:t>
             </a:fld>
@@ -1461,7 +1461,7 @@
     </p:spTree>
     <p:extLst>
       <p:ext uri="{BB962C8B-B14F-4D97-AF65-F5344CB8AC3E}">
-        <p14:creationId xmlns:p14="http://schemas.microsoft.com/office/powerpoint/2010/main" val="1982967173"/>
+        <p14:creationId xmlns:p14="http://schemas.microsoft.com/office/powerpoint/2010/main" val="4223739081"/>
       </p:ext>
     </p:extLst>
   </p:cSld>
@@ -1493,7 +1493,7 @@
           <p:cNvPr id="2" name="标题 1">
             <a:extLst>
               <a:ext uri="{FF2B5EF4-FFF2-40B4-BE49-F238E27FC236}">
-                <a16:creationId xmlns:a16="http://schemas.microsoft.com/office/drawing/2014/main" id="{A8964AB8-4EC9-BF49-1EE2-9350692DA1C6}"/>
+                <a16:creationId xmlns:a16="http://schemas.microsoft.com/office/drawing/2014/main" id="{28A8910C-8335-26C4-C192-BEE8A59646DE}"/>
               </a:ext>
             </a:extLst>
           </p:cNvPr>
@@ -1526,7 +1526,7 @@
           <p:cNvPr id="3" name="文本占位符 2">
             <a:extLst>
               <a:ext uri="{FF2B5EF4-FFF2-40B4-BE49-F238E27FC236}">
-                <a16:creationId xmlns:a16="http://schemas.microsoft.com/office/drawing/2014/main" id="{DE0D67A5-6869-2E61-4CF1-FA854C589A86}"/>
+                <a16:creationId xmlns:a16="http://schemas.microsoft.com/office/drawing/2014/main" id="{33FD3547-7E47-300F-26C9-121DFC608FCE}"/>
               </a:ext>
             </a:extLst>
           </p:cNvPr>
@@ -1597,7 +1597,7 @@
           <p:cNvPr id="4" name="内容占位符 3">
             <a:extLst>
               <a:ext uri="{FF2B5EF4-FFF2-40B4-BE49-F238E27FC236}">
-                <a16:creationId xmlns:a16="http://schemas.microsoft.com/office/drawing/2014/main" id="{DD33B12E-DC8D-2F8D-2A0A-826D000D8FFE}"/>
+                <a16:creationId xmlns:a16="http://schemas.microsoft.com/office/drawing/2014/main" id="{746CF8A4-F710-B631-0F98-AA7ADD3AA73F}"/>
               </a:ext>
             </a:extLst>
           </p:cNvPr>
@@ -1659,7 +1659,7 @@
           <p:cNvPr id="5" name="文本占位符 4">
             <a:extLst>
               <a:ext uri="{FF2B5EF4-FFF2-40B4-BE49-F238E27FC236}">
-                <a16:creationId xmlns:a16="http://schemas.microsoft.com/office/drawing/2014/main" id="{81494280-8BE5-05FA-FDFD-2965D20F12D3}"/>
+                <a16:creationId xmlns:a16="http://schemas.microsoft.com/office/drawing/2014/main" id="{0BFACE2F-C000-344C-C3FD-C782EBED238F}"/>
               </a:ext>
             </a:extLst>
           </p:cNvPr>
@@ -1730,7 +1730,7 @@
           <p:cNvPr id="6" name="内容占位符 5">
             <a:extLst>
               <a:ext uri="{FF2B5EF4-FFF2-40B4-BE49-F238E27FC236}">
-                <a16:creationId xmlns:a16="http://schemas.microsoft.com/office/drawing/2014/main" id="{A59D1612-0B43-74FB-798A-D97118D1331C}"/>
+                <a16:creationId xmlns:a16="http://schemas.microsoft.com/office/drawing/2014/main" id="{DB7AA298-E02B-4552-74CD-941F7249E792}"/>
               </a:ext>
             </a:extLst>
           </p:cNvPr>
@@ -1792,7 +1792,7 @@
           <p:cNvPr id="7" name="日期占位符 6">
             <a:extLst>
               <a:ext uri="{FF2B5EF4-FFF2-40B4-BE49-F238E27FC236}">
-                <a16:creationId xmlns:a16="http://schemas.microsoft.com/office/drawing/2014/main" id="{B14424EA-089F-52F3-AC43-18B9319E7924}"/>
+                <a16:creationId xmlns:a16="http://schemas.microsoft.com/office/drawing/2014/main" id="{BDCF110C-0E87-A9AD-8E0F-6A3F1CC6C235}"/>
               </a:ext>
             </a:extLst>
           </p:cNvPr>
@@ -1808,7 +1808,7 @@
           <a:bodyPr/>
           <a:lstStyle/>
           <a:p>
-            <a:fld id="{F2F51397-8412-4C95-8CDA-DF71F54C10F8}" type="datetimeFigureOut">
+            <a:fld id="{D5948B91-CB5D-4B1B-A3E7-8B4647DF2C30}" type="datetimeFigureOut">
               <a:rPr lang="zh-CN" altLang="en-US" smtClean="0"/>
               <a:t>2024/3/10</a:t>
             </a:fld>
@@ -1821,7 +1821,7 @@
           <p:cNvPr id="8" name="页脚占位符 7">
             <a:extLst>
               <a:ext uri="{FF2B5EF4-FFF2-40B4-BE49-F238E27FC236}">
-                <a16:creationId xmlns:a16="http://schemas.microsoft.com/office/drawing/2014/main" id="{4B01585E-2AD3-D9FE-553D-07957D0BBD1D}"/>
+                <a16:creationId xmlns:a16="http://schemas.microsoft.com/office/drawing/2014/main" id="{0E32915D-F946-03CC-31F6-AD5FC00B1FEA}"/>
               </a:ext>
             </a:extLst>
           </p:cNvPr>
@@ -1846,7 +1846,7 @@
           <p:cNvPr id="9" name="灯片编号占位符 8">
             <a:extLst>
               <a:ext uri="{FF2B5EF4-FFF2-40B4-BE49-F238E27FC236}">
-                <a16:creationId xmlns:a16="http://schemas.microsoft.com/office/drawing/2014/main" id="{E3BDD008-F50D-F901-D25A-AC647060E7C2}"/>
+                <a16:creationId xmlns:a16="http://schemas.microsoft.com/office/drawing/2014/main" id="{4F1079A1-05E9-576A-27A2-47ACD158D6C8}"/>
               </a:ext>
             </a:extLst>
           </p:cNvPr>
@@ -1862,7 +1862,7 @@
           <a:bodyPr/>
           <a:lstStyle/>
           <a:p>
-            <a:fld id="{931821AD-5BC6-48B1-8D8C-000A57DF967A}" type="slidenum">
+            <a:fld id="{C1E22FBC-991A-4750-8592-8365FAD7E397}" type="slidenum">
               <a:rPr lang="zh-CN" altLang="en-US" smtClean="0"/>
               <a:t>‹#›</a:t>
             </a:fld>
@@ -1873,7 +1873,7 @@
     </p:spTree>
     <p:extLst>
       <p:ext uri="{BB962C8B-B14F-4D97-AF65-F5344CB8AC3E}">
-        <p14:creationId xmlns:p14="http://schemas.microsoft.com/office/powerpoint/2010/main" val="4247957459"/>
+        <p14:creationId xmlns:p14="http://schemas.microsoft.com/office/powerpoint/2010/main" val="2783351945"/>
       </p:ext>
     </p:extLst>
   </p:cSld>
@@ -1905,7 +1905,7 @@
           <p:cNvPr id="2" name="标题 1">
             <a:extLst>
               <a:ext uri="{FF2B5EF4-FFF2-40B4-BE49-F238E27FC236}">
-                <a16:creationId xmlns:a16="http://schemas.microsoft.com/office/drawing/2014/main" id="{78B8ECE9-6DFD-5E7B-67D2-1B7A4DE8D6F0}"/>
+                <a16:creationId xmlns:a16="http://schemas.microsoft.com/office/drawing/2014/main" id="{2F4A4635-68F2-C9F9-CA06-BDF960B393C9}"/>
               </a:ext>
             </a:extLst>
           </p:cNvPr>
@@ -1933,7 +1933,7 @@
           <p:cNvPr id="3" name="日期占位符 2">
             <a:extLst>
               <a:ext uri="{FF2B5EF4-FFF2-40B4-BE49-F238E27FC236}">
-                <a16:creationId xmlns:a16="http://schemas.microsoft.com/office/drawing/2014/main" id="{925DB67E-3739-E91D-2CAA-B1D8E7D99DAA}"/>
+                <a16:creationId xmlns:a16="http://schemas.microsoft.com/office/drawing/2014/main" id="{84E350D5-43B1-319C-850E-A1D08CB433E6}"/>
               </a:ext>
             </a:extLst>
           </p:cNvPr>
@@ -1949,7 +1949,7 @@
           <a:bodyPr/>
           <a:lstStyle/>
           <a:p>
-            <a:fld id="{F2F51397-8412-4C95-8CDA-DF71F54C10F8}" type="datetimeFigureOut">
+            <a:fld id="{D5948B91-CB5D-4B1B-A3E7-8B4647DF2C30}" type="datetimeFigureOut">
               <a:rPr lang="zh-CN" altLang="en-US" smtClean="0"/>
               <a:t>2024/3/10</a:t>
             </a:fld>
@@ -1962,7 +1962,7 @@
           <p:cNvPr id="4" name="页脚占位符 3">
             <a:extLst>
               <a:ext uri="{FF2B5EF4-FFF2-40B4-BE49-F238E27FC236}">
-                <a16:creationId xmlns:a16="http://schemas.microsoft.com/office/drawing/2014/main" id="{F06FB9DB-2BDA-8661-CE6E-6DE68EB39FD1}"/>
+                <a16:creationId xmlns:a16="http://schemas.microsoft.com/office/drawing/2014/main" id="{7FD6BD0D-6F3C-20F1-2D80-6F0ABF11052A}"/>
               </a:ext>
             </a:extLst>
           </p:cNvPr>
@@ -1987,7 +1987,7 @@
           <p:cNvPr id="5" name="灯片编号占位符 4">
             <a:extLst>
               <a:ext uri="{FF2B5EF4-FFF2-40B4-BE49-F238E27FC236}">
-                <a16:creationId xmlns:a16="http://schemas.microsoft.com/office/drawing/2014/main" id="{07A7B47E-6054-636C-944C-D3ADF26EA2E9}"/>
+                <a16:creationId xmlns:a16="http://schemas.microsoft.com/office/drawing/2014/main" id="{6F6758E9-CEB3-F7E7-E65D-0F266DC0F052}"/>
               </a:ext>
             </a:extLst>
           </p:cNvPr>
@@ -2003,7 +2003,7 @@
           <a:bodyPr/>
           <a:lstStyle/>
           <a:p>
-            <a:fld id="{931821AD-5BC6-48B1-8D8C-000A57DF967A}" type="slidenum">
+            <a:fld id="{C1E22FBC-991A-4750-8592-8365FAD7E397}" type="slidenum">
               <a:rPr lang="zh-CN" altLang="en-US" smtClean="0"/>
               <a:t>‹#›</a:t>
             </a:fld>
@@ -2014,7 +2014,7 @@
     </p:spTree>
     <p:extLst>
       <p:ext uri="{BB962C8B-B14F-4D97-AF65-F5344CB8AC3E}">
-        <p14:creationId xmlns:p14="http://schemas.microsoft.com/office/powerpoint/2010/main" val="2390583326"/>
+        <p14:creationId xmlns:p14="http://schemas.microsoft.com/office/powerpoint/2010/main" val="1523884093"/>
       </p:ext>
     </p:extLst>
   </p:cSld>
@@ -2046,7 +2046,7 @@
           <p:cNvPr id="2" name="日期占位符 1">
             <a:extLst>
               <a:ext uri="{FF2B5EF4-FFF2-40B4-BE49-F238E27FC236}">
-                <a16:creationId xmlns:a16="http://schemas.microsoft.com/office/drawing/2014/main" id="{717420C1-EE62-C630-6B78-909208B23488}"/>
+                <a16:creationId xmlns:a16="http://schemas.microsoft.com/office/drawing/2014/main" id="{CDF61CB1-08F9-44FF-D786-649C97D50A9A}"/>
               </a:ext>
             </a:extLst>
           </p:cNvPr>
@@ -2062,7 +2062,7 @@
           <a:bodyPr/>
           <a:lstStyle/>
           <a:p>
-            <a:fld id="{F2F51397-8412-4C95-8CDA-DF71F54C10F8}" type="datetimeFigureOut">
+            <a:fld id="{D5948B91-CB5D-4B1B-A3E7-8B4647DF2C30}" type="datetimeFigureOut">
               <a:rPr lang="zh-CN" altLang="en-US" smtClean="0"/>
               <a:t>2024/3/10</a:t>
             </a:fld>
@@ -2075,7 +2075,7 @@
           <p:cNvPr id="3" name="页脚占位符 2">
             <a:extLst>
               <a:ext uri="{FF2B5EF4-FFF2-40B4-BE49-F238E27FC236}">
-                <a16:creationId xmlns:a16="http://schemas.microsoft.com/office/drawing/2014/main" id="{FE455B96-2400-A168-7FF1-A845B6600878}"/>
+                <a16:creationId xmlns:a16="http://schemas.microsoft.com/office/drawing/2014/main" id="{6215EFBF-075A-DB24-7A99-47FFE58AD5B6}"/>
               </a:ext>
             </a:extLst>
           </p:cNvPr>
@@ -2100,7 +2100,7 @@
           <p:cNvPr id="4" name="灯片编号占位符 3">
             <a:extLst>
               <a:ext uri="{FF2B5EF4-FFF2-40B4-BE49-F238E27FC236}">
-                <a16:creationId xmlns:a16="http://schemas.microsoft.com/office/drawing/2014/main" id="{842C9FFF-0D39-EE73-A72D-A09E54CF7ACE}"/>
+                <a16:creationId xmlns:a16="http://schemas.microsoft.com/office/drawing/2014/main" id="{C8FDBE75-CED5-88EC-456A-021D7BCB49A5}"/>
               </a:ext>
             </a:extLst>
           </p:cNvPr>
@@ -2116,7 +2116,7 @@
           <a:bodyPr/>
           <a:lstStyle/>
           <a:p>
-            <a:fld id="{931821AD-5BC6-48B1-8D8C-000A57DF967A}" type="slidenum">
+            <a:fld id="{C1E22FBC-991A-4750-8592-8365FAD7E397}" type="slidenum">
               <a:rPr lang="zh-CN" altLang="en-US" smtClean="0"/>
               <a:t>‹#›</a:t>
             </a:fld>
@@ -2127,7 +2127,7 @@
     </p:spTree>
     <p:extLst>
       <p:ext uri="{BB962C8B-B14F-4D97-AF65-F5344CB8AC3E}">
-        <p14:creationId xmlns:p14="http://schemas.microsoft.com/office/powerpoint/2010/main" val="3752123102"/>
+        <p14:creationId xmlns:p14="http://schemas.microsoft.com/office/powerpoint/2010/main" val="1846301029"/>
       </p:ext>
     </p:extLst>
   </p:cSld>
@@ -2159,7 +2159,7 @@
           <p:cNvPr id="2" name="标题 1">
             <a:extLst>
               <a:ext uri="{FF2B5EF4-FFF2-40B4-BE49-F238E27FC236}">
-                <a16:creationId xmlns:a16="http://schemas.microsoft.com/office/drawing/2014/main" id="{8FB0F0DA-B3B5-EFE2-6B99-589D8A5789FC}"/>
+                <a16:creationId xmlns:a16="http://schemas.microsoft.com/office/drawing/2014/main" id="{F544F395-D1B1-F3A2-2F67-EB33427260E3}"/>
               </a:ext>
             </a:extLst>
           </p:cNvPr>
@@ -2196,7 +2196,7 @@
           <p:cNvPr id="3" name="内容占位符 2">
             <a:extLst>
               <a:ext uri="{FF2B5EF4-FFF2-40B4-BE49-F238E27FC236}">
-                <a16:creationId xmlns:a16="http://schemas.microsoft.com/office/drawing/2014/main" id="{166A04C4-9E5D-7435-3AD8-B5A7C9C5378A}"/>
+                <a16:creationId xmlns:a16="http://schemas.microsoft.com/office/drawing/2014/main" id="{D910FE74-95D0-02F4-423F-5129ACABDBC5}"/>
               </a:ext>
             </a:extLst>
           </p:cNvPr>
@@ -2286,7 +2286,7 @@
           <p:cNvPr id="4" name="文本占位符 3">
             <a:extLst>
               <a:ext uri="{FF2B5EF4-FFF2-40B4-BE49-F238E27FC236}">
-                <a16:creationId xmlns:a16="http://schemas.microsoft.com/office/drawing/2014/main" id="{E6D3CB2C-0401-5310-A11C-EEA62064C9BC}"/>
+                <a16:creationId xmlns:a16="http://schemas.microsoft.com/office/drawing/2014/main" id="{4EC78A60-0D7E-1D4F-CD80-FC138BA54E7C}"/>
               </a:ext>
             </a:extLst>
           </p:cNvPr>
@@ -2357,7 +2357,7 @@
           <p:cNvPr id="5" name="日期占位符 4">
             <a:extLst>
               <a:ext uri="{FF2B5EF4-FFF2-40B4-BE49-F238E27FC236}">
-                <a16:creationId xmlns:a16="http://schemas.microsoft.com/office/drawing/2014/main" id="{7B919903-ED85-3FA2-29FB-DBEE1CFC5BBB}"/>
+                <a16:creationId xmlns:a16="http://schemas.microsoft.com/office/drawing/2014/main" id="{F90396BA-E494-9F0A-6126-E98536EAF3BB}"/>
               </a:ext>
             </a:extLst>
           </p:cNvPr>
@@ -2373,7 +2373,7 @@
           <a:bodyPr/>
           <a:lstStyle/>
           <a:p>
-            <a:fld id="{F2F51397-8412-4C95-8CDA-DF71F54C10F8}" type="datetimeFigureOut">
+            <a:fld id="{D5948B91-CB5D-4B1B-A3E7-8B4647DF2C30}" type="datetimeFigureOut">
               <a:rPr lang="zh-CN" altLang="en-US" smtClean="0"/>
               <a:t>2024/3/10</a:t>
             </a:fld>
@@ -2386,7 +2386,7 @@
           <p:cNvPr id="6" name="页脚占位符 5">
             <a:extLst>
               <a:ext uri="{FF2B5EF4-FFF2-40B4-BE49-F238E27FC236}">
-                <a16:creationId xmlns:a16="http://schemas.microsoft.com/office/drawing/2014/main" id="{D7CC4AFE-83F9-6497-2F6C-DEC979DD14C5}"/>
+                <a16:creationId xmlns:a16="http://schemas.microsoft.com/office/drawing/2014/main" id="{FBE6AEC0-2D71-E8B3-65D6-5BAA20E700C5}"/>
               </a:ext>
             </a:extLst>
           </p:cNvPr>
@@ -2411,7 +2411,7 @@
           <p:cNvPr id="7" name="灯片编号占位符 6">
             <a:extLst>
               <a:ext uri="{FF2B5EF4-FFF2-40B4-BE49-F238E27FC236}">
-                <a16:creationId xmlns:a16="http://schemas.microsoft.com/office/drawing/2014/main" id="{78D26CC9-EDED-8150-0E76-64C8020BCCBF}"/>
+                <a16:creationId xmlns:a16="http://schemas.microsoft.com/office/drawing/2014/main" id="{1BD3C3DE-943A-4568-D3B4-F2DD0FD96ADC}"/>
               </a:ext>
             </a:extLst>
           </p:cNvPr>
@@ -2427,7 +2427,7 @@
           <a:bodyPr/>
           <a:lstStyle/>
           <a:p>
-            <a:fld id="{931821AD-5BC6-48B1-8D8C-000A57DF967A}" type="slidenum">
+            <a:fld id="{C1E22FBC-991A-4750-8592-8365FAD7E397}" type="slidenum">
               <a:rPr lang="zh-CN" altLang="en-US" smtClean="0"/>
               <a:t>‹#›</a:t>
             </a:fld>
@@ -2438,7 +2438,7 @@
     </p:spTree>
     <p:extLst>
       <p:ext uri="{BB962C8B-B14F-4D97-AF65-F5344CB8AC3E}">
-        <p14:creationId xmlns:p14="http://schemas.microsoft.com/office/powerpoint/2010/main" val="52816754"/>
+        <p14:creationId xmlns:p14="http://schemas.microsoft.com/office/powerpoint/2010/main" val="2818103010"/>
       </p:ext>
     </p:extLst>
   </p:cSld>
@@ -2470,7 +2470,7 @@
           <p:cNvPr id="2" name="标题 1">
             <a:extLst>
               <a:ext uri="{FF2B5EF4-FFF2-40B4-BE49-F238E27FC236}">
-                <a16:creationId xmlns:a16="http://schemas.microsoft.com/office/drawing/2014/main" id="{B68CB0AA-E27E-A91D-4730-25A9AFFCF1DA}"/>
+                <a16:creationId xmlns:a16="http://schemas.microsoft.com/office/drawing/2014/main" id="{86554FD5-4154-F716-1304-C2DE71EB7F3D}"/>
               </a:ext>
             </a:extLst>
           </p:cNvPr>
@@ -2507,7 +2507,7 @@
           <p:cNvPr id="3" name="图片占位符 2">
             <a:extLst>
               <a:ext uri="{FF2B5EF4-FFF2-40B4-BE49-F238E27FC236}">
-                <a16:creationId xmlns:a16="http://schemas.microsoft.com/office/drawing/2014/main" id="{F605FBCE-4DBD-A43A-E802-959677A62EAA}"/>
+                <a16:creationId xmlns:a16="http://schemas.microsoft.com/office/drawing/2014/main" id="{3E6FF69F-27AA-A959-D6FF-C75A761884C7}"/>
               </a:ext>
             </a:extLst>
           </p:cNvPr>
@@ -2574,7 +2574,7 @@
           <p:cNvPr id="4" name="文本占位符 3">
             <a:extLst>
               <a:ext uri="{FF2B5EF4-FFF2-40B4-BE49-F238E27FC236}">
-                <a16:creationId xmlns:a16="http://schemas.microsoft.com/office/drawing/2014/main" id="{1C942A27-A679-645A-EC3D-A5FE2C86408F}"/>
+                <a16:creationId xmlns:a16="http://schemas.microsoft.com/office/drawing/2014/main" id="{93943D35-E2D3-0C30-DF0E-AC88336E2A6A}"/>
               </a:ext>
             </a:extLst>
           </p:cNvPr>
@@ -2645,7 +2645,7 @@
           <p:cNvPr id="5" name="日期占位符 4">
             <a:extLst>
               <a:ext uri="{FF2B5EF4-FFF2-40B4-BE49-F238E27FC236}">
-                <a16:creationId xmlns:a16="http://schemas.microsoft.com/office/drawing/2014/main" id="{4C0851D0-375D-89BD-19B0-DC971BFF9981}"/>
+                <a16:creationId xmlns:a16="http://schemas.microsoft.com/office/drawing/2014/main" id="{83E1B8B7-481C-26FB-BAE4-55CCEB51937D}"/>
               </a:ext>
             </a:extLst>
           </p:cNvPr>
@@ -2661,7 +2661,7 @@
           <a:bodyPr/>
           <a:lstStyle/>
           <a:p>
-            <a:fld id="{F2F51397-8412-4C95-8CDA-DF71F54C10F8}" type="datetimeFigureOut">
+            <a:fld id="{D5948B91-CB5D-4B1B-A3E7-8B4647DF2C30}" type="datetimeFigureOut">
               <a:rPr lang="zh-CN" altLang="en-US" smtClean="0"/>
               <a:t>2024/3/10</a:t>
             </a:fld>
@@ -2674,7 +2674,7 @@
           <p:cNvPr id="6" name="页脚占位符 5">
             <a:extLst>
               <a:ext uri="{FF2B5EF4-FFF2-40B4-BE49-F238E27FC236}">
-                <a16:creationId xmlns:a16="http://schemas.microsoft.com/office/drawing/2014/main" id="{7DE83276-3066-25C4-B422-FB8DB73BE4EF}"/>
+                <a16:creationId xmlns:a16="http://schemas.microsoft.com/office/drawing/2014/main" id="{7396082E-118A-8C74-C650-2253AA22ACAA}"/>
               </a:ext>
             </a:extLst>
           </p:cNvPr>
@@ -2699,7 +2699,7 @@
           <p:cNvPr id="7" name="灯片编号占位符 6">
             <a:extLst>
               <a:ext uri="{FF2B5EF4-FFF2-40B4-BE49-F238E27FC236}">
-                <a16:creationId xmlns:a16="http://schemas.microsoft.com/office/drawing/2014/main" id="{7318D9F8-0D22-FE84-9E93-3899BACC13F0}"/>
+                <a16:creationId xmlns:a16="http://schemas.microsoft.com/office/drawing/2014/main" id="{48F6EC18-BE1A-95F1-FA64-EE7D852D4D3E}"/>
               </a:ext>
             </a:extLst>
           </p:cNvPr>
@@ -2715,7 +2715,7 @@
           <a:bodyPr/>
           <a:lstStyle/>
           <a:p>
-            <a:fld id="{931821AD-5BC6-48B1-8D8C-000A57DF967A}" type="slidenum">
+            <a:fld id="{C1E22FBC-991A-4750-8592-8365FAD7E397}" type="slidenum">
               <a:rPr lang="zh-CN" altLang="en-US" smtClean="0"/>
               <a:t>‹#›</a:t>
             </a:fld>
@@ -2726,7 +2726,7 @@
     </p:spTree>
     <p:extLst>
       <p:ext uri="{BB962C8B-B14F-4D97-AF65-F5344CB8AC3E}">
-        <p14:creationId xmlns:p14="http://schemas.microsoft.com/office/powerpoint/2010/main" val="383007211"/>
+        <p14:creationId xmlns:p14="http://schemas.microsoft.com/office/powerpoint/2010/main" val="2398257895"/>
       </p:ext>
     </p:extLst>
   </p:cSld>
@@ -2763,7 +2763,7 @@
           <p:cNvPr id="2" name="标题占位符 1">
             <a:extLst>
               <a:ext uri="{FF2B5EF4-FFF2-40B4-BE49-F238E27FC236}">
-                <a16:creationId xmlns:a16="http://schemas.microsoft.com/office/drawing/2014/main" id="{03539289-EF37-64FF-7CD5-DB4E7A7DF765}"/>
+                <a16:creationId xmlns:a16="http://schemas.microsoft.com/office/drawing/2014/main" id="{89024DD7-175E-2FC7-232F-D2C946CB4041}"/>
               </a:ext>
             </a:extLst>
           </p:cNvPr>
@@ -2801,7 +2801,7 @@
           <p:cNvPr id="3" name="文本占位符 2">
             <a:extLst>
               <a:ext uri="{FF2B5EF4-FFF2-40B4-BE49-F238E27FC236}">
-                <a16:creationId xmlns:a16="http://schemas.microsoft.com/office/drawing/2014/main" id="{C1B53BE6-F208-D742-F0BB-BBFE7388A005}"/>
+                <a16:creationId xmlns:a16="http://schemas.microsoft.com/office/drawing/2014/main" id="{20F29A56-5770-9DCC-C0DE-8450A4E99BF9}"/>
               </a:ext>
             </a:extLst>
           </p:cNvPr>
@@ -2868,7 +2868,7 @@
           <p:cNvPr id="4" name="日期占位符 3">
             <a:extLst>
               <a:ext uri="{FF2B5EF4-FFF2-40B4-BE49-F238E27FC236}">
-                <a16:creationId xmlns:a16="http://schemas.microsoft.com/office/drawing/2014/main" id="{FF609C11-A25E-4636-BA87-D93F4C63520E}"/>
+                <a16:creationId xmlns:a16="http://schemas.microsoft.com/office/drawing/2014/main" id="{4D5282F7-3701-9190-55C1-0AE67A2EDDED}"/>
               </a:ext>
             </a:extLst>
           </p:cNvPr>
@@ -2902,7 +2902,7 @@
             </a:lvl1pPr>
           </a:lstStyle>
           <a:p>
-            <a:fld id="{F2F51397-8412-4C95-8CDA-DF71F54C10F8}" type="datetimeFigureOut">
+            <a:fld id="{D5948B91-CB5D-4B1B-A3E7-8B4647DF2C30}" type="datetimeFigureOut">
               <a:rPr lang="zh-CN" altLang="en-US" smtClean="0"/>
               <a:t>2024/3/10</a:t>
             </a:fld>
@@ -2915,7 +2915,7 @@
           <p:cNvPr id="5" name="页脚占位符 4">
             <a:extLst>
               <a:ext uri="{FF2B5EF4-FFF2-40B4-BE49-F238E27FC236}">
-                <a16:creationId xmlns:a16="http://schemas.microsoft.com/office/drawing/2014/main" id="{015E4A64-B657-A208-4B7D-5CB984F23B35}"/>
+                <a16:creationId xmlns:a16="http://schemas.microsoft.com/office/drawing/2014/main" id="{D4C8B6B8-8B26-38E2-8F62-8875A269655E}"/>
               </a:ext>
             </a:extLst>
           </p:cNvPr>
@@ -2958,7 +2958,7 @@
           <p:cNvPr id="6" name="灯片编号占位符 5">
             <a:extLst>
               <a:ext uri="{FF2B5EF4-FFF2-40B4-BE49-F238E27FC236}">
-                <a16:creationId xmlns:a16="http://schemas.microsoft.com/office/drawing/2014/main" id="{21876FEC-E205-60BF-D0BE-5EEDEA169258}"/>
+                <a16:creationId xmlns:a16="http://schemas.microsoft.com/office/drawing/2014/main" id="{AF57A6E0-599F-36ED-FD57-31786AB93F22}"/>
               </a:ext>
             </a:extLst>
           </p:cNvPr>
@@ -2992,7 +2992,7 @@
             </a:lvl1pPr>
           </a:lstStyle>
           <a:p>
-            <a:fld id="{931821AD-5BC6-48B1-8D8C-000A57DF967A}" type="slidenum">
+            <a:fld id="{C1E22FBC-991A-4750-8592-8365FAD7E397}" type="slidenum">
               <a:rPr lang="zh-CN" altLang="en-US" smtClean="0"/>
               <a:t>‹#›</a:t>
             </a:fld>
@@ -3003,7 +3003,7 @@
     </p:spTree>
     <p:extLst>
       <p:ext uri="{BB962C8B-B14F-4D97-AF65-F5344CB8AC3E}">
-        <p14:creationId xmlns:p14="http://schemas.microsoft.com/office/powerpoint/2010/main" val="3432199301"/>
+        <p14:creationId xmlns:p14="http://schemas.microsoft.com/office/powerpoint/2010/main" val="3866886024"/>
       </p:ext>
     </p:extLst>
   </p:cSld>
@@ -3323,7 +3323,7 @@
       </p:grpSpPr>
       <p:pic>
         <p:nvPicPr>
-          <p:cNvPr id="573442" name="Picture 2" descr="559"/>
+          <p:cNvPr id="574466" name="Picture 2" descr="560"/>
           <p:cNvPicPr>
             <a:picLocks noChangeAspect="1" noChangeArrowheads="1"/>
           </p:cNvPicPr>
